--- a/Nullers.pptx
+++ b/Nullers.pptx
@@ -5057,7 +5057,7 @@
                 <a:ea typeface="+mn-lt"/>
                 <a:cs typeface="+mn-lt"/>
               </a:rPr>
-              <a:t>5-Esrimación de </a:t>
+              <a:t>5-Estimación de </a:t>
             </a:r>
             <a:r>
               <a:rPr lang="en-US" sz="2400" dirty="0" err="1">
@@ -5069,6 +5069,13 @@
               </a:rPr>
               <a:t>Gastos</a:t>
             </a:r>
+            <a:endParaRPr lang="en-US" sz="2400" dirty="0">
+              <a:solidFill>
+                <a:schemeClr val="tx1"/>
+              </a:solidFill>
+              <a:ea typeface="+mn-lt"/>
+              <a:cs typeface="+mn-lt"/>
+            </a:endParaRPr>
           </a:p>
           <a:p>
             <a:pPr algn="ctr"/>
@@ -5080,7 +5087,7 @@
           </a:p>
           <a:p>
             <a:pPr algn="ctr"/>
-            <a:endParaRPr lang="en-US">
+            <a:endParaRPr lang="en-US" dirty="0">
               <a:solidFill>
                 <a:schemeClr val="tx1"/>
               </a:solidFill>
@@ -5088,7 +5095,7 @@
           </a:p>
           <a:p>
             <a:pPr algn="ctr"/>
-            <a:endParaRPr lang="en-US">
+            <a:endParaRPr lang="en-US" dirty="0">
               <a:solidFill>
                 <a:schemeClr val="tx1"/>
               </a:solidFill>
@@ -5096,7 +5103,7 @@
           </a:p>
           <a:p>
             <a:pPr algn="ctr"/>
-            <a:endParaRPr lang="en-US">
+            <a:endParaRPr lang="en-US" dirty="0">
               <a:solidFill>
                 <a:schemeClr val="tx1"/>
               </a:solidFill>
@@ -7166,8 +7173,8 @@
         </p:blipFill>
         <p:spPr>
           <a:xfrm>
-            <a:off x="4158701" y="1239363"/>
-            <a:ext cx="3862692" cy="4817267"/>
+            <a:off x="4467966" y="1239364"/>
+            <a:ext cx="3079148" cy="4611472"/>
           </a:xfrm>
         </p:spPr>
       </p:pic>
@@ -7559,7 +7566,7 @@
                 <a:ea typeface="+mn-lt"/>
                 <a:cs typeface="+mn-lt"/>
               </a:rPr>
-              <a:t>SQL: Para el resto de entidades, hemos utilizado SQL.</a:t>
+              <a:t>SQL: Para el resto de las entidades, hemos utilizado SQL.</a:t>
             </a:r>
           </a:p>
           <a:p>
@@ -7623,7 +7630,7 @@
                 <a:ea typeface="+mn-lt"/>
                 <a:cs typeface="+mn-lt"/>
               </a:rPr>
-              <a:t>    SQL para el Resto de Entidades:</a:t>
+              <a:t>    SQL para el Resto de las entidades:</a:t>
             </a:r>
           </a:p>
           <a:p>
@@ -8997,15 +9004,7 @@
             </a:pPr>
             <a:r>
               <a:rPr lang="es-ES" sz="2000" dirty="0"/>
-              <a:t>-</a:t>
-            </a:r>
-            <a:r>
-              <a:rPr lang="es-ES" sz="2000" dirty="0" err="1"/>
-              <a:t>Infraestrucuta</a:t>
-            </a:r>
-            <a:r>
-              <a:rPr lang="es-ES" sz="2000" dirty="0"/>
-              <a:t> </a:t>
+              <a:t>-Infraestructura </a:t>
             </a:r>
             <a:r>
               <a:rPr lang="es-ES" sz="1400" dirty="0">

--- a/Nullers.pptx
+++ b/Nullers.pptx
@@ -124,6 +124,7 @@
   <p1510:revLst>
     <p1510:client id="{06EBE691-1686-4150-9CF4-6CFD663C04EC}" v="699" dt="2024-02-12T09:27:59.885"/>
     <p1510:client id="{383ACA59-E03B-47AF-89ED-782D8318AED6}" v="40" dt="2024-02-12T09:39:59.222"/>
+    <p1510:client id="{4440DD05-9559-4795-94F2-1E9C886F4C82}" v="14" dt="2024-02-12T15:53:06.013"/>
   </p1510:revLst>
 </p1510:revInfo>
 </file>
@@ -5057,7 +5058,7 @@
                 <a:ea typeface="+mn-lt"/>
                 <a:cs typeface="+mn-lt"/>
               </a:rPr>
-              <a:t>5-Estimación de </a:t>
+              <a:t>5-Esrimación de </a:t>
             </a:r>
             <a:r>
               <a:rPr lang="en-US" sz="2400" dirty="0" err="1">
@@ -5069,13 +5070,6 @@
               </a:rPr>
               <a:t>Gastos</a:t>
             </a:r>
-            <a:endParaRPr lang="en-US" sz="2400" dirty="0">
-              <a:solidFill>
-                <a:schemeClr val="tx1"/>
-              </a:solidFill>
-              <a:ea typeface="+mn-lt"/>
-              <a:cs typeface="+mn-lt"/>
-            </a:endParaRPr>
           </a:p>
           <a:p>
             <a:pPr algn="ctr"/>
@@ -5087,7 +5081,7 @@
           </a:p>
           <a:p>
             <a:pPr algn="ctr"/>
-            <a:endParaRPr lang="en-US" dirty="0">
+            <a:endParaRPr lang="en-US">
               <a:solidFill>
                 <a:schemeClr val="tx1"/>
               </a:solidFill>
@@ -5095,7 +5089,7 @@
           </a:p>
           <a:p>
             <a:pPr algn="ctr"/>
-            <a:endParaRPr lang="en-US" dirty="0">
+            <a:endParaRPr lang="en-US">
               <a:solidFill>
                 <a:schemeClr val="tx1"/>
               </a:solidFill>
@@ -5103,7 +5097,7 @@
           </a:p>
           <a:p>
             <a:pPr algn="ctr"/>
-            <a:endParaRPr lang="en-US" dirty="0">
+            <a:endParaRPr lang="en-US">
               <a:solidFill>
                 <a:schemeClr val="tx1"/>
               </a:solidFill>
@@ -7173,8 +7167,8 @@
         </p:blipFill>
         <p:spPr>
           <a:xfrm>
-            <a:off x="4467966" y="1239364"/>
-            <a:ext cx="3079148" cy="4611472"/>
+            <a:off x="4158701" y="1239363"/>
+            <a:ext cx="3862692" cy="4817267"/>
           </a:xfrm>
         </p:spPr>
       </p:pic>
@@ -7566,7 +7560,7 @@
                 <a:ea typeface="+mn-lt"/>
                 <a:cs typeface="+mn-lt"/>
               </a:rPr>
-              <a:t>SQL: Para el resto de las entidades, hemos utilizado SQL.</a:t>
+              <a:t>SQL: Para el resto de entidades, hemos utilizado SQL.</a:t>
             </a:r>
           </a:p>
           <a:p>
@@ -7630,7 +7624,7 @@
                 <a:ea typeface="+mn-lt"/>
                 <a:cs typeface="+mn-lt"/>
               </a:rPr>
-              <a:t>    SQL para el Resto de las entidades:</a:t>
+              <a:t>    SQL para el Resto de Entidades:</a:t>
             </a:r>
           </a:p>
           <a:p>
@@ -8033,7 +8027,12 @@
             <p:ph sz="half" idx="2"/>
           </p:nvPr>
         </p:nvSpPr>
-        <p:spPr/>
+        <p:spPr>
+          <a:xfrm>
+            <a:off x="1027146" y="2720703"/>
+            <a:ext cx="4849036" cy="3514997"/>
+          </a:xfrm>
+        </p:spPr>
         <p:txBody>
           <a:bodyPr vert="horz" lIns="91440" tIns="45720" rIns="91440" bIns="45720" rtlCol="0" anchor="t">
             <a:normAutofit/>
@@ -8626,10 +8625,20 @@
             </a:r>
             <a:r>
               <a:rPr lang="en-US" dirty="0">
+                <a:solidFill>
+                  <a:srgbClr val="2C2830"/>
+                </a:solidFill>
                 <a:ea typeface="+mj-lt"/>
                 <a:cs typeface="+mj-lt"/>
               </a:rPr>
-              <a:t>2.475,97€</a:t>
+              <a:t>5.128</a:t>
+            </a:r>
+            <a:r>
+              <a:rPr lang="en-US" dirty="0">
+                <a:ea typeface="+mj-lt"/>
+                <a:cs typeface="+mj-lt"/>
+              </a:rPr>
+              <a:t>€</a:t>
             </a:r>
             <a:endParaRPr lang="en-US" dirty="0"/>
           </a:p>
@@ -8948,23 +8957,11 @@
                 <a:latin typeface="Bembo"/>
                 <a:cs typeface="Segoe UI"/>
               </a:rPr>
-              <a:t>     Costo Estimado de Mano de Obra: 120 horas *20 €/hora = 2400€</a:t>
-            </a:r>
-            <a:endParaRPr lang="en-US" sz="2000" dirty="0">
-              <a:solidFill>
-                <a:srgbClr val="808080"/>
-              </a:solidFill>
-              <a:latin typeface="Bembo"/>
+              <a:t>     Costo Estimado de Mano de Obra: 5050€</a:t>
+            </a:r>
+            <a:endParaRPr lang="es-ES" sz="2000" dirty="0">
               <a:cs typeface="Segoe UI"/>
             </a:endParaRPr>
-          </a:p>
-          <a:p>
-            <a:pPr defTabSz="758952">
-              <a:spcAft>
-                <a:spcPts val="600"/>
-              </a:spcAft>
-            </a:pPr>
-            <a:endParaRPr lang="es-ES" sz="1450" dirty="0"/>
           </a:p>
         </p:txBody>
       </p:sp>
@@ -9004,7 +9001,15 @@
             </a:pPr>
             <a:r>
               <a:rPr lang="es-ES" sz="2000" dirty="0"/>
-              <a:t>-Infraestructura </a:t>
+              <a:t>-</a:t>
+            </a:r>
+            <a:r>
+              <a:rPr lang="es-ES" sz="2000" dirty="0" err="1"/>
+              <a:t>Infraestrucuta</a:t>
+            </a:r>
+            <a:r>
+              <a:rPr lang="es-ES" sz="2000" dirty="0"/>
+              <a:t> </a:t>
             </a:r>
             <a:r>
               <a:rPr lang="es-ES" sz="1400" dirty="0">
